--- a/Slides.pptx
+++ b/Slides.pptx
@@ -270,7 +270,7 @@
           <a:p>
             <a:fld id="{F3EA9CC7-2598-467F-BCE1-B99E4227F740}" type="datetimeFigureOut">
               <a:rPr lang="pt-PT" smtClean="0"/>
-              <a:t>04/01/20</a:t>
+              <a:t>15/01/20</a:t>
             </a:fld>
             <a:endParaRPr lang="pt-PT"/>
           </a:p>
@@ -468,7 +468,7 @@
           <a:p>
             <a:fld id="{F3EA9CC7-2598-467F-BCE1-B99E4227F740}" type="datetimeFigureOut">
               <a:rPr lang="pt-PT" smtClean="0"/>
-              <a:t>04/01/20</a:t>
+              <a:t>15/01/20</a:t>
             </a:fld>
             <a:endParaRPr lang="pt-PT"/>
           </a:p>
@@ -676,7 +676,7 @@
           <a:p>
             <a:fld id="{F3EA9CC7-2598-467F-BCE1-B99E4227F740}" type="datetimeFigureOut">
               <a:rPr lang="pt-PT" smtClean="0"/>
-              <a:t>04/01/20</a:t>
+              <a:t>15/01/20</a:t>
             </a:fld>
             <a:endParaRPr lang="pt-PT"/>
           </a:p>
@@ -874,7 +874,7 @@
           <a:p>
             <a:fld id="{F3EA9CC7-2598-467F-BCE1-B99E4227F740}" type="datetimeFigureOut">
               <a:rPr lang="pt-PT" smtClean="0"/>
-              <a:t>04/01/20</a:t>
+              <a:t>15/01/20</a:t>
             </a:fld>
             <a:endParaRPr lang="pt-PT"/>
           </a:p>
@@ -1149,7 +1149,7 @@
           <a:p>
             <a:fld id="{F3EA9CC7-2598-467F-BCE1-B99E4227F740}" type="datetimeFigureOut">
               <a:rPr lang="pt-PT" smtClean="0"/>
-              <a:t>04/01/20</a:t>
+              <a:t>15/01/20</a:t>
             </a:fld>
             <a:endParaRPr lang="pt-PT"/>
           </a:p>
@@ -1414,7 +1414,7 @@
           <a:p>
             <a:fld id="{F3EA9CC7-2598-467F-BCE1-B99E4227F740}" type="datetimeFigureOut">
               <a:rPr lang="pt-PT" smtClean="0"/>
-              <a:t>04/01/20</a:t>
+              <a:t>15/01/20</a:t>
             </a:fld>
             <a:endParaRPr lang="pt-PT"/>
           </a:p>
@@ -1826,7 +1826,7 @@
           <a:p>
             <a:fld id="{F3EA9CC7-2598-467F-BCE1-B99E4227F740}" type="datetimeFigureOut">
               <a:rPr lang="pt-PT" smtClean="0"/>
-              <a:t>04/01/20</a:t>
+              <a:t>15/01/20</a:t>
             </a:fld>
             <a:endParaRPr lang="pt-PT"/>
           </a:p>
@@ -1967,7 +1967,7 @@
           <a:p>
             <a:fld id="{F3EA9CC7-2598-467F-BCE1-B99E4227F740}" type="datetimeFigureOut">
               <a:rPr lang="pt-PT" smtClean="0"/>
-              <a:t>04/01/20</a:t>
+              <a:t>15/01/20</a:t>
             </a:fld>
             <a:endParaRPr lang="pt-PT"/>
           </a:p>
@@ -2080,7 +2080,7 @@
           <a:p>
             <a:fld id="{F3EA9CC7-2598-467F-BCE1-B99E4227F740}" type="datetimeFigureOut">
               <a:rPr lang="pt-PT" smtClean="0"/>
-              <a:t>04/01/20</a:t>
+              <a:t>15/01/20</a:t>
             </a:fld>
             <a:endParaRPr lang="pt-PT"/>
           </a:p>
@@ -2391,7 +2391,7 @@
           <a:p>
             <a:fld id="{F3EA9CC7-2598-467F-BCE1-B99E4227F740}" type="datetimeFigureOut">
               <a:rPr lang="pt-PT" smtClean="0"/>
-              <a:t>04/01/20</a:t>
+              <a:t>15/01/20</a:t>
             </a:fld>
             <a:endParaRPr lang="pt-PT"/>
           </a:p>
@@ -2679,7 +2679,7 @@
           <a:p>
             <a:fld id="{F3EA9CC7-2598-467F-BCE1-B99E4227F740}" type="datetimeFigureOut">
               <a:rPr lang="pt-PT" smtClean="0"/>
-              <a:t>04/01/20</a:t>
+              <a:t>15/01/20</a:t>
             </a:fld>
             <a:endParaRPr lang="pt-PT"/>
           </a:p>
@@ -2920,7 +2920,7 @@
           <a:p>
             <a:fld id="{F3EA9CC7-2598-467F-BCE1-B99E4227F740}" type="datetimeFigureOut">
               <a:rPr lang="pt-PT" smtClean="0"/>
-              <a:t>04/01/20</a:t>
+              <a:t>15/01/20</a:t>
             </a:fld>
             <a:endParaRPr lang="pt-PT"/>
           </a:p>
@@ -7052,7 +7052,7 @@
             </a:pPr>
             <a:r>
               <a:rPr lang="pt-PT" dirty="0"/>
-              <a:t>Determinação de chaves candidatas e primárias</a:t>
+              <a:t>Determinação de chaves primárias</a:t>
             </a:r>
           </a:p>
         </p:txBody>
@@ -7664,8 +7664,8 @@
         </p:nvSpPr>
         <p:spPr>
           <a:xfrm>
-            <a:off x="3222171" y="5237725"/>
-            <a:ext cx="7824371" cy="369332"/>
+            <a:off x="3222171" y="5389178"/>
+            <a:ext cx="7824371" cy="66427"/>
           </a:xfrm>
           <a:prstGeom prst="rect">
             <a:avLst/>
@@ -7703,8 +7703,8 @@
         </p:nvSpPr>
         <p:spPr>
           <a:xfrm>
-            <a:off x="3222171" y="5720890"/>
-            <a:ext cx="2627366" cy="369332"/>
+            <a:off x="3222171" y="5872343"/>
+            <a:ext cx="2627366" cy="66427"/>
           </a:xfrm>
           <a:prstGeom prst="rect">
             <a:avLst/>
@@ -7742,8 +7742,8 @@
         </p:nvSpPr>
         <p:spPr>
           <a:xfrm>
-            <a:off x="3222172" y="4754560"/>
-            <a:ext cx="3058885" cy="369332"/>
+            <a:off x="3222172" y="4906013"/>
+            <a:ext cx="3058885" cy="66427"/>
           </a:xfrm>
           <a:prstGeom prst="rect">
             <a:avLst/>
@@ -7763,45 +7763,6 @@
             <a:r>
               <a:rPr lang="pt-PT" dirty="0"/>
               <a:t>O que é?</a:t>
-            </a:r>
-          </a:p>
-        </p:txBody>
-      </p:sp>
-      <p:sp>
-        <p:nvSpPr>
-          <p:cNvPr id="12" name="CaixaDeTexto 11">
-            <a:extLst>
-              <a:ext uri="{FF2B5EF4-FFF2-40B4-BE49-F238E27FC236}">
-                <a16:creationId xmlns:a16="http://schemas.microsoft.com/office/drawing/2014/main" id="{4EC34EDC-C439-814A-952D-CCCDD11C77E5}"/>
-              </a:ext>
-            </a:extLst>
-          </p:cNvPr>
-          <p:cNvSpPr txBox="1"/>
-          <p:nvPr/>
-        </p:nvSpPr>
-        <p:spPr>
-          <a:xfrm>
-            <a:off x="3222170" y="6190970"/>
-            <a:ext cx="5845629" cy="369332"/>
-          </a:xfrm>
-          <a:prstGeom prst="rect">
-            <a:avLst/>
-          </a:prstGeom>
-          <a:noFill/>
-        </p:spPr>
-        <p:txBody>
-          <a:bodyPr wrap="square" rtlCol="0">
-            <a:spAutoFit/>
-          </a:bodyPr>
-          <a:lstStyle/>
-          <a:p>
-            <a:pPr marL="285750" indent="-285750">
-              <a:buFont typeface="Wingdings" pitchFamily="2" charset="2"/>
-              <a:buChar char="ü"/>
-            </a:pPr>
-            <a:r>
-              <a:rPr lang="pt-PT" dirty="0"/>
-              <a:t>Restrições de Integridade</a:t>
             </a:r>
           </a:p>
         </p:txBody>
@@ -8052,82 +8013,6 @@
                       </p:childTnLst>
                     </p:cTn>
                   </p:par>
-                  <p:par>
-                    <p:cTn id="21" fill="hold">
-                      <p:stCondLst>
-                        <p:cond delay="indefinite"/>
-                      </p:stCondLst>
-                      <p:childTnLst>
-                        <p:par>
-                          <p:cTn id="22" fill="hold">
-                            <p:stCondLst>
-                              <p:cond delay="0"/>
-                            </p:stCondLst>
-                            <p:childTnLst>
-                              <p:par>
-                                <p:cTn id="23" presetID="12" presetClass="entr" presetSubtype="4" fill="hold" grpId="0" nodeType="clickEffect">
-                                  <p:stCondLst>
-                                    <p:cond delay="0"/>
-                                  </p:stCondLst>
-                                  <p:childTnLst>
-                                    <p:set>
-                                      <p:cBhvr>
-                                        <p:cTn id="24" dur="1" fill="hold">
-                                          <p:stCondLst>
-                                            <p:cond delay="0"/>
-                                          </p:stCondLst>
-                                        </p:cTn>
-                                        <p:tgtEl>
-                                          <p:spTgt spid="12"/>
-                                        </p:tgtEl>
-                                        <p:attrNameLst>
-                                          <p:attrName>style.visibility</p:attrName>
-                                        </p:attrNameLst>
-                                      </p:cBhvr>
-                                      <p:to>
-                                        <p:strVal val="visible"/>
-                                      </p:to>
-                                    </p:set>
-                                    <p:anim calcmode="lin" valueType="num">
-                                      <p:cBhvr additive="base">
-                                        <p:cTn id="25" dur="500"/>
-                                        <p:tgtEl>
-                                          <p:spTgt spid="12"/>
-                                        </p:tgtEl>
-                                        <p:attrNameLst>
-                                          <p:attrName>ppt_y</p:attrName>
-                                        </p:attrNameLst>
-                                      </p:cBhvr>
-                                      <p:tavLst>
-                                        <p:tav tm="0">
-                                          <p:val>
-                                            <p:strVal val="#ppt_y+#ppt_h*1.125000"/>
-                                          </p:val>
-                                        </p:tav>
-                                        <p:tav tm="100000">
-                                          <p:val>
-                                            <p:strVal val="#ppt_y"/>
-                                          </p:val>
-                                        </p:tav>
-                                      </p:tavLst>
-                                    </p:anim>
-                                    <p:animEffect transition="in" filter="wipe(up)">
-                                      <p:cBhvr>
-                                        <p:cTn id="26" dur="500"/>
-                                        <p:tgtEl>
-                                          <p:spTgt spid="12"/>
-                                        </p:tgtEl>
-                                      </p:cBhvr>
-                                    </p:animEffect>
-                                  </p:childTnLst>
-                                </p:cTn>
-                              </p:par>
-                            </p:childTnLst>
-                          </p:cTn>
-                        </p:par>
-                      </p:childTnLst>
-                    </p:cTn>
-                  </p:par>
                 </p:childTnLst>
               </p:cTn>
               <p:prevCondLst>
@@ -8153,7 +8038,6 @@
       <p:bldP spid="7" grpId="0"/>
       <p:bldP spid="8" grpId="0"/>
       <p:bldP spid="10" grpId="0"/>
-      <p:bldP spid="12" grpId="0"/>
     </p:bldLst>
   </p:timing>
 </p:sld>
@@ -12957,8 +12841,8 @@
         </p:nvSpPr>
         <p:spPr>
           <a:xfrm>
-            <a:off x="3846666" y="3829451"/>
-            <a:ext cx="2505814" cy="369332"/>
+            <a:off x="3846666" y="3312849"/>
+            <a:ext cx="2505814" cy="1402537"/>
           </a:xfrm>
           <a:prstGeom prst="rect">
             <a:avLst/>
@@ -12996,8 +12880,8 @@
         </p:nvSpPr>
         <p:spPr>
           <a:xfrm>
-            <a:off x="3846666" y="4413594"/>
-            <a:ext cx="1827231" cy="369332"/>
+            <a:off x="3846666" y="3896992"/>
+            <a:ext cx="1827231" cy="1402537"/>
           </a:xfrm>
           <a:prstGeom prst="rect">
             <a:avLst/>
@@ -13035,8 +12919,8 @@
         </p:nvSpPr>
         <p:spPr>
           <a:xfrm>
-            <a:off x="3846666" y="5538440"/>
-            <a:ext cx="2526269" cy="369332"/>
+            <a:off x="3846666" y="4481135"/>
+            <a:ext cx="2526269" cy="1402537"/>
           </a:xfrm>
           <a:prstGeom prst="rect">
             <a:avLst/>
@@ -13060,12 +12944,90 @@
           </a:p>
         </p:txBody>
       </p:sp>
+      <p:pic>
+        <p:nvPicPr>
+          <p:cNvPr id="4" name="Imagem 3" descr="Uma imagem com interior&#10;&#10;Descrição gerada automaticamente">
+            <a:extLst>
+              <a:ext uri="{FF2B5EF4-FFF2-40B4-BE49-F238E27FC236}">
+                <a16:creationId xmlns:a16="http://schemas.microsoft.com/office/drawing/2014/main" id="{945B8C17-61F9-B646-AA50-4F269D659E61}"/>
+              </a:ext>
+            </a:extLst>
+          </p:cNvPr>
+          <p:cNvPicPr>
+            <a:picLocks noChangeAspect="1"/>
+          </p:cNvPicPr>
+          <p:nvPr/>
+        </p:nvPicPr>
+        <p:blipFill>
+          <a:blip r:embed="rId3">
+            <a:extLst>
+              <a:ext uri="{28A0092B-C50C-407E-A947-70E740481C1C}">
+                <a14:useLocalDpi xmlns:a14="http://schemas.microsoft.com/office/drawing/2010/main" val="0"/>
+              </a:ext>
+            </a:extLst>
+          </a:blip>
+          <a:stretch>
+            <a:fillRect/>
+          </a:stretch>
+        </p:blipFill>
+        <p:spPr>
+          <a:xfrm>
+            <a:off x="6813202" y="3535184"/>
+            <a:ext cx="4800600" cy="1295400"/>
+          </a:xfrm>
+          <a:prstGeom prst="rect">
+            <a:avLst/>
+          </a:prstGeom>
+          <a:solidFill>
+            <a:schemeClr val="accent6">
+              <a:lumMod val="40000"/>
+              <a:lumOff val="60000"/>
+            </a:schemeClr>
+          </a:solidFill>
+        </p:spPr>
+      </p:pic>
+      <p:pic>
+        <p:nvPicPr>
+          <p:cNvPr id="15" name="Imagem 14">
+            <a:extLst>
+              <a:ext uri="{FF2B5EF4-FFF2-40B4-BE49-F238E27FC236}">
+                <a16:creationId xmlns:a16="http://schemas.microsoft.com/office/drawing/2014/main" id="{6B3BF794-1D24-5842-989C-6ECB2330B6EF}"/>
+              </a:ext>
+            </a:extLst>
+          </p:cNvPr>
+          <p:cNvPicPr>
+            <a:picLocks noChangeAspect="1"/>
+          </p:cNvPicPr>
+          <p:nvPr/>
+        </p:nvPicPr>
+        <p:blipFill>
+          <a:blip r:embed="rId4">
+            <a:extLst>
+              <a:ext uri="{28A0092B-C50C-407E-A947-70E740481C1C}">
+                <a14:useLocalDpi xmlns:a14="http://schemas.microsoft.com/office/drawing/2010/main" val="0"/>
+              </a:ext>
+            </a:extLst>
+          </a:blip>
+          <a:stretch>
+            <a:fillRect/>
+          </a:stretch>
+        </p:blipFill>
+        <p:spPr>
+          <a:xfrm>
+            <a:off x="5099573" y="5407422"/>
+            <a:ext cx="7023100" cy="952500"/>
+          </a:xfrm>
+          <a:prstGeom prst="rect">
+            <a:avLst/>
+          </a:prstGeom>
+        </p:spPr>
+      </p:pic>
       <p:sp>
         <p:nvSpPr>
-          <p:cNvPr id="13" name="CaixaDeTexto 12">
-            <a:extLst>
-              <a:ext uri="{FF2B5EF4-FFF2-40B4-BE49-F238E27FC236}">
-                <a16:creationId xmlns:a16="http://schemas.microsoft.com/office/drawing/2014/main" id="{985FD01E-F1FF-D749-BF8D-F6E747416D6B}"/>
+          <p:cNvPr id="16" name="CaixaDeTexto 15">
+            <a:extLst>
+              <a:ext uri="{FF2B5EF4-FFF2-40B4-BE49-F238E27FC236}">
+                <a16:creationId xmlns:a16="http://schemas.microsoft.com/office/drawing/2014/main" id="{46F27E01-FD82-F140-9767-433AD9E51E96}"/>
               </a:ext>
             </a:extLst>
           </p:cNvPr>
@@ -13074,13 +13036,18 @@
         </p:nvSpPr>
         <p:spPr>
           <a:xfrm>
-            <a:off x="3846666" y="4976017"/>
-            <a:ext cx="1760995" cy="369332"/>
+            <a:off x="6778374" y="3098311"/>
+            <a:ext cx="1234249" cy="369332"/>
           </a:xfrm>
           <a:prstGeom prst="rect">
             <a:avLst/>
           </a:prstGeom>
-          <a:noFill/>
+          <a:solidFill>
+            <a:schemeClr val="accent6">
+              <a:lumMod val="40000"/>
+              <a:lumOff val="60000"/>
+            </a:schemeClr>
+          </a:solidFill>
         </p:spPr>
         <p:txBody>
           <a:bodyPr wrap="none" rtlCol="0">
@@ -13088,64 +13055,53 @@
           </a:bodyPr>
           <a:lstStyle/>
           <a:p>
-            <a:pPr marL="285750" indent="-285750">
-              <a:buFont typeface="Wingdings" pitchFamily="2" charset="2"/>
-              <a:buChar char="ü"/>
-            </a:pPr>
             <a:r>
-              <a:rPr lang="pt-PT" dirty="0"/>
-              <a:t>SQL </a:t>
-            </a:r>
-            <a:r>
-              <a:rPr lang="pt-PT" dirty="0" err="1"/>
-              <a:t>vs</a:t>
-            </a:r>
-            <a:r>
-              <a:rPr lang="pt-PT" dirty="0"/>
-              <a:t> NoSQL</a:t>
+              <a:rPr lang="pt-PT" b="1" u="sng" dirty="0"/>
+              <a:t>Vantagens:</a:t>
             </a:r>
           </a:p>
         </p:txBody>
       </p:sp>
-      <p:pic>
-        <p:nvPicPr>
-          <p:cNvPr id="14" name="Imagem 13" descr="Uma imagem com captura de ecrã&#10;&#10;Descrição gerada automaticamente">
-            <a:extLst>
-              <a:ext uri="{FF2B5EF4-FFF2-40B4-BE49-F238E27FC236}">
-                <a16:creationId xmlns:a16="http://schemas.microsoft.com/office/drawing/2014/main" id="{9B9374EE-7044-0240-9498-7C18817BCDBB}"/>
-              </a:ext>
-            </a:extLst>
-          </p:cNvPr>
-          <p:cNvPicPr/>
+      <p:sp>
+        <p:nvSpPr>
+          <p:cNvPr id="18" name="CaixaDeTexto 17">
+            <a:extLst>
+              <a:ext uri="{FF2B5EF4-FFF2-40B4-BE49-F238E27FC236}">
+                <a16:creationId xmlns:a16="http://schemas.microsoft.com/office/drawing/2014/main" id="{C93BAD1D-82C5-134B-BCA5-18AF0193775D}"/>
+              </a:ext>
+            </a:extLst>
+          </p:cNvPr>
+          <p:cNvSpPr txBox="1"/>
           <p:nvPr/>
-        </p:nvPicPr>
-        <p:blipFill>
-          <a:blip r:embed="rId3" r:link="rId4">
-            <a:extLst>
-              <a:ext uri="{28A0092B-C50C-407E-A947-70E740481C1C}">
-                <a14:useLocalDpi xmlns:a14="http://schemas.microsoft.com/office/drawing/2010/main" val="0"/>
-              </a:ext>
-            </a:extLst>
-          </a:blip>
-          <a:srcRect/>
-          <a:stretch>
-            <a:fillRect/>
-          </a:stretch>
-        </p:blipFill>
-        <p:spPr bwMode="auto">
+        </p:nvSpPr>
+        <p:spPr>
           <a:xfrm>
-            <a:off x="3660913" y="1975455"/>
-            <a:ext cx="7891007" cy="3004388"/>
+            <a:off x="5109800" y="5037602"/>
+            <a:ext cx="1263295" cy="369332"/>
           </a:xfrm>
           <a:prstGeom prst="rect">
             <a:avLst/>
           </a:prstGeom>
-          <a:noFill/>
-          <a:ln>
-            <a:noFill/>
-          </a:ln>
+          <a:solidFill>
+            <a:schemeClr val="accent6">
+              <a:lumMod val="40000"/>
+              <a:lumOff val="60000"/>
+            </a:schemeClr>
+          </a:solidFill>
         </p:spPr>
-      </p:pic>
+        <p:txBody>
+          <a:bodyPr wrap="none" rtlCol="0">
+            <a:spAutoFit/>
+          </a:bodyPr>
+          <a:lstStyle/>
+          <a:p>
+            <a:r>
+              <a:rPr lang="pt-PT" b="1" u="sng" dirty="0"/>
+              <a:t>Limitações:</a:t>
+            </a:r>
+          </a:p>
+        </p:txBody>
+      </p:sp>
     </p:spTree>
     <p:extLst>
       <p:ext uri="{BB962C8B-B14F-4D97-AF65-F5344CB8AC3E}">
@@ -13342,7 +13298,7 @@
                                           </p:stCondLst>
                                         </p:cTn>
                                         <p:tgtEl>
-                                          <p:spTgt spid="13"/>
+                                          <p:spTgt spid="11"/>
                                         </p:tgtEl>
                                         <p:attrNameLst>
                                           <p:attrName>style.visibility</p:attrName>
@@ -13356,7 +13312,7 @@
                                       <p:cBhvr additive="base">
                                         <p:cTn id="19" dur="500"/>
                                         <p:tgtEl>
-                                          <p:spTgt spid="13"/>
+                                          <p:spTgt spid="11"/>
                                         </p:tgtEl>
                                         <p:attrNameLst>
                                           <p:attrName>ppt_y</p:attrName>
@@ -13379,65 +13335,7 @@
                                       <p:cBhvr>
                                         <p:cTn id="20" dur="500"/>
                                         <p:tgtEl>
-                                          <p:spTgt spid="13"/>
-                                        </p:tgtEl>
-                                      </p:cBhvr>
-                                    </p:animEffect>
-                                  </p:childTnLst>
-                                </p:cTn>
-                              </p:par>
-                              <p:par>
-                                <p:cTn id="21" presetID="12" presetClass="entr" presetSubtype="4" fill="hold" nodeType="withEffect">
-                                  <p:stCondLst>
-                                    <p:cond delay="0"/>
-                                  </p:stCondLst>
-                                  <p:childTnLst>
-                                    <p:set>
-                                      <p:cBhvr>
-                                        <p:cTn id="22" dur="1" fill="hold">
-                                          <p:stCondLst>
-                                            <p:cond delay="0"/>
-                                          </p:stCondLst>
-                                        </p:cTn>
-                                        <p:tgtEl>
-                                          <p:spTgt spid="14"/>
-                                        </p:tgtEl>
-                                        <p:attrNameLst>
-                                          <p:attrName>style.visibility</p:attrName>
-                                        </p:attrNameLst>
-                                      </p:cBhvr>
-                                      <p:to>
-                                        <p:strVal val="visible"/>
-                                      </p:to>
-                                    </p:set>
-                                    <p:anim calcmode="lin" valueType="num">
-                                      <p:cBhvr additive="base">
-                                        <p:cTn id="23" dur="500"/>
-                                        <p:tgtEl>
-                                          <p:spTgt spid="14"/>
-                                        </p:tgtEl>
-                                        <p:attrNameLst>
-                                          <p:attrName>ppt_y</p:attrName>
-                                        </p:attrNameLst>
-                                      </p:cBhvr>
-                                      <p:tavLst>
-                                        <p:tav tm="0">
-                                          <p:val>
-                                            <p:strVal val="#ppt_y+#ppt_h*1.125000"/>
-                                          </p:val>
-                                        </p:tav>
-                                        <p:tav tm="100000">
-                                          <p:val>
-                                            <p:strVal val="#ppt_y"/>
-                                          </p:val>
-                                        </p:tav>
-                                      </p:tavLst>
-                                    </p:anim>
-                                    <p:animEffect transition="in" filter="wipe(up)">
-                                      <p:cBhvr>
-                                        <p:cTn id="24" dur="500"/>
-                                        <p:tgtEl>
-                                          <p:spTgt spid="14"/>
+                                          <p:spTgt spid="11"/>
                                         </p:tgtEl>
                                       </p:cBhvr>
                                     </p:animEffect>
@@ -13451,51 +13349,104 @@
                     </p:cTn>
                   </p:par>
                   <p:par>
-                    <p:cTn id="25" fill="hold">
+                    <p:cTn id="21" fill="hold">
                       <p:stCondLst>
                         <p:cond delay="indefinite"/>
                       </p:stCondLst>
                       <p:childTnLst>
                         <p:par>
-                          <p:cTn id="26" fill="hold">
+                          <p:cTn id="22" fill="hold">
                             <p:stCondLst>
                               <p:cond delay="0"/>
                             </p:stCondLst>
                             <p:childTnLst>
                               <p:par>
-                                <p:cTn id="27" presetID="2" presetClass="exit" presetSubtype="4" fill="hold" nodeType="clickEffect">
+                                <p:cTn id="23" presetID="12" presetClass="entr" presetSubtype="4" fill="hold" nodeType="clickEffect">
                                   <p:stCondLst>
                                     <p:cond delay="0"/>
                                   </p:stCondLst>
                                   <p:childTnLst>
+                                    <p:set>
+                                      <p:cBhvr>
+                                        <p:cTn id="24" dur="1" fill="hold">
+                                          <p:stCondLst>
+                                            <p:cond delay="0"/>
+                                          </p:stCondLst>
+                                        </p:cTn>
+                                        <p:tgtEl>
+                                          <p:spTgt spid="4"/>
+                                        </p:tgtEl>
+                                        <p:attrNameLst>
+                                          <p:attrName>style.visibility</p:attrName>
+                                        </p:attrNameLst>
+                                      </p:cBhvr>
+                                      <p:to>
+                                        <p:strVal val="visible"/>
+                                      </p:to>
+                                    </p:set>
                                     <p:anim calcmode="lin" valueType="num">
                                       <p:cBhvr additive="base">
-                                        <p:cTn id="28" dur="500"/>
-                                        <p:tgtEl>
-                                          <p:spTgt spid="14"/>
+                                        <p:cTn id="25" dur="500"/>
+                                        <p:tgtEl>
+                                          <p:spTgt spid="4"/>
                                         </p:tgtEl>
                                         <p:attrNameLst>
-                                          <p:attrName>ppt_x</p:attrName>
+                                          <p:attrName>ppt_y</p:attrName>
                                         </p:attrNameLst>
                                       </p:cBhvr>
                                       <p:tavLst>
                                         <p:tav tm="0">
                                           <p:val>
-                                            <p:strVal val="ppt_x"/>
+                                            <p:strVal val="#ppt_y+#ppt_h*1.125000"/>
                                           </p:val>
                                         </p:tav>
                                         <p:tav tm="100000">
                                           <p:val>
-                                            <p:strVal val="ppt_x"/>
+                                            <p:strVal val="#ppt_y"/>
                                           </p:val>
                                         </p:tav>
                                       </p:tavLst>
                                     </p:anim>
+                                    <p:animEffect transition="in" filter="wipe(up)">
+                                      <p:cBhvr>
+                                        <p:cTn id="26" dur="500"/>
+                                        <p:tgtEl>
+                                          <p:spTgt spid="4"/>
+                                        </p:tgtEl>
+                                      </p:cBhvr>
+                                    </p:animEffect>
+                                  </p:childTnLst>
+                                </p:cTn>
+                              </p:par>
+                              <p:par>
+                                <p:cTn id="27" presetID="12" presetClass="entr" presetSubtype="4" fill="hold" grpId="0" nodeType="withEffect">
+                                  <p:stCondLst>
+                                    <p:cond delay="0"/>
+                                  </p:stCondLst>
+                                  <p:childTnLst>
+                                    <p:set>
+                                      <p:cBhvr>
+                                        <p:cTn id="28" dur="1" fill="hold">
+                                          <p:stCondLst>
+                                            <p:cond delay="0"/>
+                                          </p:stCondLst>
+                                        </p:cTn>
+                                        <p:tgtEl>
+                                          <p:spTgt spid="16"/>
+                                        </p:tgtEl>
+                                        <p:attrNameLst>
+                                          <p:attrName>style.visibility</p:attrName>
+                                        </p:attrNameLst>
+                                      </p:cBhvr>
+                                      <p:to>
+                                        <p:strVal val="visible"/>
+                                      </p:to>
+                                    </p:set>
                                     <p:anim calcmode="lin" valueType="num">
                                       <p:cBhvr additive="base">
                                         <p:cTn id="29" dur="500"/>
                                         <p:tgtEl>
-                                          <p:spTgt spid="14"/>
+                                          <p:spTgt spid="16"/>
                                         </p:tgtEl>
                                         <p:attrNameLst>
                                           <p:attrName>ppt_y</p:attrName>
@@ -13504,34 +13455,24 @@
                                       <p:tavLst>
                                         <p:tav tm="0">
                                           <p:val>
-                                            <p:strVal val="ppt_y"/>
+                                            <p:strVal val="#ppt_y+#ppt_h*1.125000"/>
                                           </p:val>
                                         </p:tav>
                                         <p:tav tm="100000">
                                           <p:val>
-                                            <p:strVal val="1+ppt_h/2"/>
+                                            <p:strVal val="#ppt_y"/>
                                           </p:val>
                                         </p:tav>
                                       </p:tavLst>
                                     </p:anim>
-                                    <p:set>
+                                    <p:animEffect transition="in" filter="wipe(up)">
                                       <p:cBhvr>
-                                        <p:cTn id="30" dur="1" fill="hold">
-                                          <p:stCondLst>
-                                            <p:cond delay="499"/>
-                                          </p:stCondLst>
-                                        </p:cTn>
-                                        <p:tgtEl>
-                                          <p:spTgt spid="14"/>
-                                        </p:tgtEl>
-                                        <p:attrNameLst>
-                                          <p:attrName>style.visibility</p:attrName>
-                                        </p:attrNameLst>
-                                      </p:cBhvr>
-                                      <p:to>
-                                        <p:strVal val="hidden"/>
-                                      </p:to>
-                                    </p:set>
+                                        <p:cTn id="30" dur="500"/>
+                                        <p:tgtEl>
+                                          <p:spTgt spid="16"/>
+                                        </p:tgtEl>
+                                      </p:cBhvr>
+                                    </p:animEffect>
                                   </p:childTnLst>
                                 </p:cTn>
                               </p:par>
@@ -13554,7 +13495,7 @@
                             </p:stCondLst>
                             <p:childTnLst>
                               <p:par>
-                                <p:cTn id="33" presetID="12" presetClass="entr" presetSubtype="4" fill="hold" grpId="0" nodeType="clickEffect">
+                                <p:cTn id="33" presetID="2" presetClass="entr" presetSubtype="4" fill="hold" nodeType="clickEffect">
                                   <p:stCondLst>
                                     <p:cond delay="0"/>
                                   </p:stCondLst>
@@ -13567,7 +13508,7 @@
                                           </p:stCondLst>
                                         </p:cTn>
                                         <p:tgtEl>
-                                          <p:spTgt spid="11"/>
+                                          <p:spTgt spid="15"/>
                                         </p:tgtEl>
                                         <p:attrNameLst>
                                           <p:attrName>style.visibility</p:attrName>
@@ -13579,9 +13520,32 @@
                                     </p:set>
                                     <p:anim calcmode="lin" valueType="num">
                                       <p:cBhvr additive="base">
-                                        <p:cTn id="35" dur="500"/>
-                                        <p:tgtEl>
-                                          <p:spTgt spid="11"/>
+                                        <p:cTn id="35" dur="500" fill="hold"/>
+                                        <p:tgtEl>
+                                          <p:spTgt spid="15"/>
+                                        </p:tgtEl>
+                                        <p:attrNameLst>
+                                          <p:attrName>ppt_x</p:attrName>
+                                        </p:attrNameLst>
+                                      </p:cBhvr>
+                                      <p:tavLst>
+                                        <p:tav tm="0">
+                                          <p:val>
+                                            <p:strVal val="#ppt_x"/>
+                                          </p:val>
+                                        </p:tav>
+                                        <p:tav tm="100000">
+                                          <p:val>
+                                            <p:strVal val="#ppt_x"/>
+                                          </p:val>
+                                        </p:tav>
+                                      </p:tavLst>
+                                    </p:anim>
+                                    <p:anim calcmode="lin" valueType="num">
+                                      <p:cBhvr additive="base">
+                                        <p:cTn id="36" dur="500" fill="hold"/>
+                                        <p:tgtEl>
+                                          <p:spTgt spid="15"/>
                                         </p:tgtEl>
                                         <p:attrNameLst>
                                           <p:attrName>ppt_y</p:attrName>
@@ -13590,7 +13554,7 @@
                                       <p:tavLst>
                                         <p:tav tm="0">
                                           <p:val>
-                                            <p:strVal val="#ppt_y+#ppt_h*1.125000"/>
+                                            <p:strVal val="1+#ppt_h/2"/>
                                           </p:val>
                                         </p:tav>
                                         <p:tav tm="100000">
@@ -13600,14 +13564,79 @@
                                         </p:tav>
                                       </p:tavLst>
                                     </p:anim>
-                                    <p:animEffect transition="in" filter="wipe(up)">
+                                  </p:childTnLst>
+                                </p:cTn>
+                              </p:par>
+                              <p:par>
+                                <p:cTn id="37" presetID="2" presetClass="entr" presetSubtype="4" fill="hold" grpId="0" nodeType="withEffect">
+                                  <p:stCondLst>
+                                    <p:cond delay="0"/>
+                                  </p:stCondLst>
+                                  <p:childTnLst>
+                                    <p:set>
                                       <p:cBhvr>
-                                        <p:cTn id="36" dur="500"/>
-                                        <p:tgtEl>
-                                          <p:spTgt spid="11"/>
-                                        </p:tgtEl>
-                                      </p:cBhvr>
-                                    </p:animEffect>
+                                        <p:cTn id="38" dur="1" fill="hold">
+                                          <p:stCondLst>
+                                            <p:cond delay="0"/>
+                                          </p:stCondLst>
+                                        </p:cTn>
+                                        <p:tgtEl>
+                                          <p:spTgt spid="18"/>
+                                        </p:tgtEl>
+                                        <p:attrNameLst>
+                                          <p:attrName>style.visibility</p:attrName>
+                                        </p:attrNameLst>
+                                      </p:cBhvr>
+                                      <p:to>
+                                        <p:strVal val="visible"/>
+                                      </p:to>
+                                    </p:set>
+                                    <p:anim calcmode="lin" valueType="num">
+                                      <p:cBhvr additive="base">
+                                        <p:cTn id="39" dur="500" fill="hold"/>
+                                        <p:tgtEl>
+                                          <p:spTgt spid="18"/>
+                                        </p:tgtEl>
+                                        <p:attrNameLst>
+                                          <p:attrName>ppt_x</p:attrName>
+                                        </p:attrNameLst>
+                                      </p:cBhvr>
+                                      <p:tavLst>
+                                        <p:tav tm="0">
+                                          <p:val>
+                                            <p:strVal val="#ppt_x"/>
+                                          </p:val>
+                                        </p:tav>
+                                        <p:tav tm="100000">
+                                          <p:val>
+                                            <p:strVal val="#ppt_x"/>
+                                          </p:val>
+                                        </p:tav>
+                                      </p:tavLst>
+                                    </p:anim>
+                                    <p:anim calcmode="lin" valueType="num">
+                                      <p:cBhvr additive="base">
+                                        <p:cTn id="40" dur="500" fill="hold"/>
+                                        <p:tgtEl>
+                                          <p:spTgt spid="18"/>
+                                        </p:tgtEl>
+                                        <p:attrNameLst>
+                                          <p:attrName>ppt_y</p:attrName>
+                                        </p:attrNameLst>
+                                      </p:cBhvr>
+                                      <p:tavLst>
+                                        <p:tav tm="0">
+                                          <p:val>
+                                            <p:strVal val="1+#ppt_h/2"/>
+                                          </p:val>
+                                        </p:tav>
+                                        <p:tav tm="100000">
+                                          <p:val>
+                                            <p:strVal val="#ppt_y"/>
+                                          </p:val>
+                                        </p:tav>
+                                      </p:tavLst>
+                                    </p:anim>
                                   </p:childTnLst>
                                 </p:cTn>
                               </p:par>
@@ -13642,7 +13671,8 @@
       <p:bldP spid="6" grpId="0"/>
       <p:bldP spid="9" grpId="0"/>
       <p:bldP spid="11" grpId="0"/>
-      <p:bldP spid="13" grpId="0"/>
+      <p:bldP spid="16" grpId="0" animBg="1"/>
+      <p:bldP spid="18" grpId="0" animBg="1"/>
     </p:bldLst>
   </p:timing>
 </p:sld>
